--- a/Allianz Business Case - One Pager.pptx
+++ b/Allianz Business Case - One Pager.pptx
@@ -104,7 +104,49 @@
       </a:defRPr>
     </a:lvl9pPr>
   </p:defaultTextStyle>
+  <p:extLst>
+    <p:ext uri="{EFAFB233-063F-42B5-8137-9DF3F51BA10A}">
+      <p15:sldGuideLst xmlns:p15="http://schemas.microsoft.com/office/powerpoint/2012/main"/>
+    </p:ext>
+  </p:extLst>
 </p:presentation>
+</file>
+
+<file path=ppt/changesInfos/changesInfo1.xml><?xml version="1.0" encoding="utf-8"?>
+<pc:chgInfo xmlns:a="http://schemas.openxmlformats.org/drawingml/2006/main" xmlns:r="http://schemas.openxmlformats.org/officeDocument/2006/relationships" xmlns:ac="http://schemas.microsoft.com/office/drawing/2013/main/command" xmlns:pc="http://schemas.microsoft.com/office/powerpoint/2013/main/command">
+  <pc:docChgLst>
+    <pc:chgData name="Murilo Rocha Lemes" userId="7700fe1c617f09cb" providerId="LiveId" clId="{961DA921-0803-4ABA-B9F6-12187E8EA671}"/>
+    <pc:docChg chg="custSel modSld">
+      <pc:chgData name="Murilo Rocha Lemes" userId="7700fe1c617f09cb" providerId="LiveId" clId="{961DA921-0803-4ABA-B9F6-12187E8EA671}" dt="2025-04-27T02:47:10.018" v="1" actId="931"/>
+      <pc:docMkLst>
+        <pc:docMk/>
+      </pc:docMkLst>
+      <pc:sldChg chg="addSp delSp modSp mod">
+        <pc:chgData name="Murilo Rocha Lemes" userId="7700fe1c617f09cb" providerId="LiveId" clId="{961DA921-0803-4ABA-B9F6-12187E8EA671}" dt="2025-04-27T02:47:10.018" v="1" actId="931"/>
+        <pc:sldMkLst>
+          <pc:docMk/>
+          <pc:sldMk cId="2467515280" sldId="256"/>
+        </pc:sldMkLst>
+        <pc:picChg chg="add mod">
+          <ac:chgData name="Murilo Rocha Lemes" userId="7700fe1c617f09cb" providerId="LiveId" clId="{961DA921-0803-4ABA-B9F6-12187E8EA671}" dt="2025-04-27T02:47:10.018" v="1" actId="931"/>
+          <ac:picMkLst>
+            <pc:docMk/>
+            <pc:sldMk cId="2467515280" sldId="256"/>
+            <ac:picMk id="3" creationId="{343C0EE5-E32F-782F-CB57-40C109AC95EF}"/>
+          </ac:picMkLst>
+        </pc:picChg>
+        <pc:picChg chg="del">
+          <ac:chgData name="Murilo Rocha Lemes" userId="7700fe1c617f09cb" providerId="LiveId" clId="{961DA921-0803-4ABA-B9F6-12187E8EA671}" dt="2025-04-27T02:46:10.932" v="0" actId="478"/>
+          <ac:picMkLst>
+            <pc:docMk/>
+            <pc:sldMk cId="2467515280" sldId="256"/>
+            <ac:picMk id="7" creationId="{D0A4B216-437B-925A-2F27-2FD34B2F8AA9}"/>
+          </ac:picMkLst>
+        </pc:picChg>
+      </pc:sldChg>
+    </pc:docChg>
+  </pc:docChgLst>
+</pc:chgInfo>
 </file>
 
 <file path=ppt/slideLayouts/slideLayout1.xml><?xml version="1.0" encoding="utf-8"?>
@@ -2968,10 +3010,10 @@
       </p:grpSpPr>
       <p:pic>
         <p:nvPicPr>
-          <p:cNvPr id="7" name="Picture 6">
+          <p:cNvPr id="3" name="Picture 2">
             <a:extLst>
               <a:ext uri="{FF2B5EF4-FFF2-40B4-BE49-F238E27FC236}">
-                <a16:creationId xmlns:a16="http://schemas.microsoft.com/office/drawing/2014/main" id="{D0A4B216-437B-925A-2F27-2FD34B2F8AA9}"/>
+                <a16:creationId xmlns:a16="http://schemas.microsoft.com/office/drawing/2014/main" id="{343C0EE5-E32F-782F-CB57-40C109AC95EF}"/>
               </a:ext>
             </a:extLst>
           </p:cNvPr>
@@ -2994,7 +3036,7 @@
         </p:blipFill>
         <p:spPr>
           <a:xfrm>
-            <a:off x="1" y="2228"/>
+            <a:off x="0" y="2228"/>
             <a:ext cx="6858000" cy="9534832"/>
           </a:xfrm>
           <a:prstGeom prst="rect">

--- a/Allianz Business Case - One Pager.pptx
+++ b/Allianz Business Case - One Pager.pptx
@@ -4,6 +4,9 @@
   <p:sldMasterIdLst>
     <p:sldMasterId id="2147483672" r:id="rId1"/>
   </p:sldMasterIdLst>
+  <p:notesMasterIdLst>
+    <p:notesMasterId r:id="rId3"/>
+  </p:notesMasterIdLst>
   <p:sldIdLst>
     <p:sldId id="256" r:id="rId2"/>
   </p:sldIdLst>
@@ -117,12 +120,12 @@
   <pc:docChgLst>
     <pc:chgData name="Murilo Rocha Lemes" userId="7700fe1c617f09cb" providerId="LiveId" clId="{961DA921-0803-4ABA-B9F6-12187E8EA671}"/>
     <pc:docChg chg="custSel modSld">
-      <pc:chgData name="Murilo Rocha Lemes" userId="7700fe1c617f09cb" providerId="LiveId" clId="{961DA921-0803-4ABA-B9F6-12187E8EA671}" dt="2025-04-27T02:47:10.018" v="1" actId="931"/>
+      <pc:chgData name="Murilo Rocha Lemes" userId="7700fe1c617f09cb" providerId="LiveId" clId="{961DA921-0803-4ABA-B9F6-12187E8EA671}" dt="2025-04-29T19:27:49.441" v="33" actId="113"/>
       <pc:docMkLst>
         <pc:docMk/>
       </pc:docMkLst>
-      <pc:sldChg chg="addSp delSp modSp mod">
-        <pc:chgData name="Murilo Rocha Lemes" userId="7700fe1c617f09cb" providerId="LiveId" clId="{961DA921-0803-4ABA-B9F6-12187E8EA671}" dt="2025-04-27T02:47:10.018" v="1" actId="931"/>
+      <pc:sldChg chg="addSp delSp modSp mod modNotesTx">
+        <pc:chgData name="Murilo Rocha Lemes" userId="7700fe1c617f09cb" providerId="LiveId" clId="{961DA921-0803-4ABA-B9F6-12187E8EA671}" dt="2025-04-29T19:27:49.441" v="33" actId="113"/>
         <pc:sldMkLst>
           <pc:docMk/>
           <pc:sldMk cId="2467515280" sldId="256"/>
@@ -135,18 +138,1012 @@
             <ac:picMk id="3" creationId="{343C0EE5-E32F-782F-CB57-40C109AC95EF}"/>
           </ac:picMkLst>
         </pc:picChg>
-        <pc:picChg chg="del">
-          <ac:chgData name="Murilo Rocha Lemes" userId="7700fe1c617f09cb" providerId="LiveId" clId="{961DA921-0803-4ABA-B9F6-12187E8EA671}" dt="2025-04-27T02:46:10.932" v="0" actId="478"/>
-          <ac:picMkLst>
-            <pc:docMk/>
-            <pc:sldMk cId="2467515280" sldId="256"/>
-            <ac:picMk id="7" creationId="{D0A4B216-437B-925A-2F27-2FD34B2F8AA9}"/>
-          </ac:picMkLst>
-        </pc:picChg>
       </pc:sldChg>
     </pc:docChg>
   </pc:docChgLst>
 </pc:chgInfo>
+</file>
+
+<file path=ppt/notesMasters/notesMaster1.xml><?xml version="1.0" encoding="utf-8"?>
+<p:notesMaster xmlns:a="http://schemas.openxmlformats.org/drawingml/2006/main" xmlns:r="http://schemas.openxmlformats.org/officeDocument/2006/relationships" xmlns:p="http://schemas.openxmlformats.org/presentationml/2006/main">
+  <p:cSld>
+    <p:bg>
+      <p:bgRef idx="1001">
+        <a:schemeClr val="bg1"/>
+      </p:bgRef>
+    </p:bg>
+    <p:spTree>
+      <p:nvGrpSpPr>
+        <p:cNvPr id="1" name=""/>
+        <p:cNvGrpSpPr/>
+        <p:nvPr/>
+      </p:nvGrpSpPr>
+      <p:grpSpPr>
+        <a:xfrm>
+          <a:off x="0" y="0"/>
+          <a:ext cx="0" cy="0"/>
+          <a:chOff x="0" y="0"/>
+          <a:chExt cx="0" cy="0"/>
+        </a:xfrm>
+      </p:grpSpPr>
+      <p:sp>
+        <p:nvSpPr>
+          <p:cNvPr id="2" name="Header Placeholder 1"/>
+          <p:cNvSpPr>
+            <a:spLocks noGrp="1"/>
+          </p:cNvSpPr>
+          <p:nvPr>
+            <p:ph type="hdr" sz="quarter"/>
+          </p:nvPr>
+        </p:nvSpPr>
+        <p:spPr>
+          <a:xfrm>
+            <a:off x="0" y="0"/>
+            <a:ext cx="2971800" cy="458788"/>
+          </a:xfrm>
+          <a:prstGeom prst="rect">
+            <a:avLst/>
+          </a:prstGeom>
+        </p:spPr>
+        <p:txBody>
+          <a:bodyPr vert="horz" lIns="91440" tIns="45720" rIns="91440" bIns="45720" rtlCol="0"/>
+          <a:lstStyle>
+            <a:lvl1pPr algn="l">
+              <a:defRPr sz="1200"/>
+            </a:lvl1pPr>
+          </a:lstStyle>
+          <a:p>
+            <a:endParaRPr lang="en-US"/>
+          </a:p>
+        </p:txBody>
+      </p:sp>
+      <p:sp>
+        <p:nvSpPr>
+          <p:cNvPr id="3" name="Date Placeholder 2"/>
+          <p:cNvSpPr>
+            <a:spLocks noGrp="1"/>
+          </p:cNvSpPr>
+          <p:nvPr>
+            <p:ph type="dt" idx="1"/>
+          </p:nvPr>
+        </p:nvSpPr>
+        <p:spPr>
+          <a:xfrm>
+            <a:off x="3884613" y="0"/>
+            <a:ext cx="2971800" cy="458788"/>
+          </a:xfrm>
+          <a:prstGeom prst="rect">
+            <a:avLst/>
+          </a:prstGeom>
+        </p:spPr>
+        <p:txBody>
+          <a:bodyPr vert="horz" lIns="91440" tIns="45720" rIns="91440" bIns="45720" rtlCol="0"/>
+          <a:lstStyle>
+            <a:lvl1pPr algn="r">
+              <a:defRPr sz="1200"/>
+            </a:lvl1pPr>
+          </a:lstStyle>
+          <a:p>
+            <a:fld id="{E10D5509-74E9-4738-B653-61570407B46B}" type="datetimeFigureOut">
+              <a:rPr lang="en-US" smtClean="0"/>
+              <a:t>4/29/2025</a:t>
+            </a:fld>
+            <a:endParaRPr lang="en-US"/>
+          </a:p>
+        </p:txBody>
+      </p:sp>
+      <p:sp>
+        <p:nvSpPr>
+          <p:cNvPr id="4" name="Slide Image Placeholder 3"/>
+          <p:cNvSpPr>
+            <a:spLocks noGrp="1" noRot="1" noChangeAspect="1"/>
+          </p:cNvSpPr>
+          <p:nvPr>
+            <p:ph type="sldImg" idx="2"/>
+          </p:nvPr>
+        </p:nvSpPr>
+        <p:spPr>
+          <a:xfrm>
+            <a:off x="2319338" y="1143000"/>
+            <a:ext cx="2219325" cy="3086100"/>
+          </a:xfrm>
+          <a:prstGeom prst="rect">
+            <a:avLst/>
+          </a:prstGeom>
+          <a:noFill/>
+          <a:ln w="12700">
+            <a:solidFill>
+              <a:prstClr val="black"/>
+            </a:solidFill>
+          </a:ln>
+        </p:spPr>
+        <p:txBody>
+          <a:bodyPr vert="horz" lIns="91440" tIns="45720" rIns="91440" bIns="45720" rtlCol="0" anchor="ctr"/>
+          <a:lstStyle/>
+          <a:p>
+            <a:endParaRPr lang="en-US"/>
+          </a:p>
+        </p:txBody>
+      </p:sp>
+      <p:sp>
+        <p:nvSpPr>
+          <p:cNvPr id="5" name="Notes Placeholder 4"/>
+          <p:cNvSpPr>
+            <a:spLocks noGrp="1"/>
+          </p:cNvSpPr>
+          <p:nvPr>
+            <p:ph type="body" sz="quarter" idx="3"/>
+          </p:nvPr>
+        </p:nvSpPr>
+        <p:spPr>
+          <a:xfrm>
+            <a:off x="685800" y="4400550"/>
+            <a:ext cx="5486400" cy="3600450"/>
+          </a:xfrm>
+          <a:prstGeom prst="rect">
+            <a:avLst/>
+          </a:prstGeom>
+        </p:spPr>
+        <p:txBody>
+          <a:bodyPr vert="horz" lIns="91440" tIns="45720" rIns="91440" bIns="45720" rtlCol="0"/>
+          <a:lstStyle/>
+          <a:p>
+            <a:pPr lvl="0"/>
+            <a:r>
+              <a:rPr lang="en-US"/>
+              <a:t>Click to edit Master text styles</a:t>
+            </a:r>
+          </a:p>
+          <a:p>
+            <a:pPr lvl="1"/>
+            <a:r>
+              <a:rPr lang="en-US"/>
+              <a:t>Second level</a:t>
+            </a:r>
+          </a:p>
+          <a:p>
+            <a:pPr lvl="2"/>
+            <a:r>
+              <a:rPr lang="en-US"/>
+              <a:t>Third level</a:t>
+            </a:r>
+          </a:p>
+          <a:p>
+            <a:pPr lvl="3"/>
+            <a:r>
+              <a:rPr lang="en-US"/>
+              <a:t>Fourth level</a:t>
+            </a:r>
+          </a:p>
+          <a:p>
+            <a:pPr lvl="4"/>
+            <a:r>
+              <a:rPr lang="en-US"/>
+              <a:t>Fifth level</a:t>
+            </a:r>
+          </a:p>
+        </p:txBody>
+      </p:sp>
+      <p:sp>
+        <p:nvSpPr>
+          <p:cNvPr id="6" name="Footer Placeholder 5"/>
+          <p:cNvSpPr>
+            <a:spLocks noGrp="1"/>
+          </p:cNvSpPr>
+          <p:nvPr>
+            <p:ph type="ftr" sz="quarter" idx="4"/>
+          </p:nvPr>
+        </p:nvSpPr>
+        <p:spPr>
+          <a:xfrm>
+            <a:off x="0" y="8685213"/>
+            <a:ext cx="2971800" cy="458787"/>
+          </a:xfrm>
+          <a:prstGeom prst="rect">
+            <a:avLst/>
+          </a:prstGeom>
+        </p:spPr>
+        <p:txBody>
+          <a:bodyPr vert="horz" lIns="91440" tIns="45720" rIns="91440" bIns="45720" rtlCol="0" anchor="b"/>
+          <a:lstStyle>
+            <a:lvl1pPr algn="l">
+              <a:defRPr sz="1200"/>
+            </a:lvl1pPr>
+          </a:lstStyle>
+          <a:p>
+            <a:endParaRPr lang="en-US"/>
+          </a:p>
+        </p:txBody>
+      </p:sp>
+      <p:sp>
+        <p:nvSpPr>
+          <p:cNvPr id="7" name="Slide Number Placeholder 6"/>
+          <p:cNvSpPr>
+            <a:spLocks noGrp="1"/>
+          </p:cNvSpPr>
+          <p:nvPr>
+            <p:ph type="sldNum" sz="quarter" idx="5"/>
+          </p:nvPr>
+        </p:nvSpPr>
+        <p:spPr>
+          <a:xfrm>
+            <a:off x="3884613" y="8685213"/>
+            <a:ext cx="2971800" cy="458787"/>
+          </a:xfrm>
+          <a:prstGeom prst="rect">
+            <a:avLst/>
+          </a:prstGeom>
+        </p:spPr>
+        <p:txBody>
+          <a:bodyPr vert="horz" lIns="91440" tIns="45720" rIns="91440" bIns="45720" rtlCol="0" anchor="b"/>
+          <a:lstStyle>
+            <a:lvl1pPr algn="r">
+              <a:defRPr sz="1200"/>
+            </a:lvl1pPr>
+          </a:lstStyle>
+          <a:p>
+            <a:fld id="{1410AC08-25B0-4579-9334-3FC1C474708F}" type="slidenum">
+              <a:rPr lang="en-US" smtClean="0"/>
+              <a:t>‹#›</a:t>
+            </a:fld>
+            <a:endParaRPr lang="en-US"/>
+          </a:p>
+        </p:txBody>
+      </p:sp>
+    </p:spTree>
+    <p:extLst>
+      <p:ext uri="{BB962C8B-B14F-4D97-AF65-F5344CB8AC3E}">
+        <p14:creationId xmlns:p14="http://schemas.microsoft.com/office/powerpoint/2010/main" val="1830861854"/>
+      </p:ext>
+    </p:extLst>
+  </p:cSld>
+  <p:clrMap bg1="lt1" tx1="dk1" bg2="lt2" tx2="dk2" accent1="accent1" accent2="accent2" accent3="accent3" accent4="accent4" accent5="accent5" accent6="accent6" hlink="hlink" folHlink="folHlink"/>
+  <p:notesStyle>
+    <a:lvl1pPr marL="0" algn="l" defTabSz="914400" rtl="0" eaLnBrk="1" latinLnBrk="0" hangingPunct="1">
+      <a:defRPr sz="1200" kern="1200">
+        <a:solidFill>
+          <a:schemeClr val="tx1"/>
+        </a:solidFill>
+        <a:latin typeface="+mn-lt"/>
+        <a:ea typeface="+mn-ea"/>
+        <a:cs typeface="+mn-cs"/>
+      </a:defRPr>
+    </a:lvl1pPr>
+    <a:lvl2pPr marL="457200" algn="l" defTabSz="914400" rtl="0" eaLnBrk="1" latinLnBrk="0" hangingPunct="1">
+      <a:defRPr sz="1200" kern="1200">
+        <a:solidFill>
+          <a:schemeClr val="tx1"/>
+        </a:solidFill>
+        <a:latin typeface="+mn-lt"/>
+        <a:ea typeface="+mn-ea"/>
+        <a:cs typeface="+mn-cs"/>
+      </a:defRPr>
+    </a:lvl2pPr>
+    <a:lvl3pPr marL="914400" algn="l" defTabSz="914400" rtl="0" eaLnBrk="1" latinLnBrk="0" hangingPunct="1">
+      <a:defRPr sz="1200" kern="1200">
+        <a:solidFill>
+          <a:schemeClr val="tx1"/>
+        </a:solidFill>
+        <a:latin typeface="+mn-lt"/>
+        <a:ea typeface="+mn-ea"/>
+        <a:cs typeface="+mn-cs"/>
+      </a:defRPr>
+    </a:lvl3pPr>
+    <a:lvl4pPr marL="1371600" algn="l" defTabSz="914400" rtl="0" eaLnBrk="1" latinLnBrk="0" hangingPunct="1">
+      <a:defRPr sz="1200" kern="1200">
+        <a:solidFill>
+          <a:schemeClr val="tx1"/>
+        </a:solidFill>
+        <a:latin typeface="+mn-lt"/>
+        <a:ea typeface="+mn-ea"/>
+        <a:cs typeface="+mn-cs"/>
+      </a:defRPr>
+    </a:lvl4pPr>
+    <a:lvl5pPr marL="1828800" algn="l" defTabSz="914400" rtl="0" eaLnBrk="1" latinLnBrk="0" hangingPunct="1">
+      <a:defRPr sz="1200" kern="1200">
+        <a:solidFill>
+          <a:schemeClr val="tx1"/>
+        </a:solidFill>
+        <a:latin typeface="+mn-lt"/>
+        <a:ea typeface="+mn-ea"/>
+        <a:cs typeface="+mn-cs"/>
+      </a:defRPr>
+    </a:lvl5pPr>
+    <a:lvl6pPr marL="2286000" algn="l" defTabSz="914400" rtl="0" eaLnBrk="1" latinLnBrk="0" hangingPunct="1">
+      <a:defRPr sz="1200" kern="1200">
+        <a:solidFill>
+          <a:schemeClr val="tx1"/>
+        </a:solidFill>
+        <a:latin typeface="+mn-lt"/>
+        <a:ea typeface="+mn-ea"/>
+        <a:cs typeface="+mn-cs"/>
+      </a:defRPr>
+    </a:lvl6pPr>
+    <a:lvl7pPr marL="2743200" algn="l" defTabSz="914400" rtl="0" eaLnBrk="1" latinLnBrk="0" hangingPunct="1">
+      <a:defRPr sz="1200" kern="1200">
+        <a:solidFill>
+          <a:schemeClr val="tx1"/>
+        </a:solidFill>
+        <a:latin typeface="+mn-lt"/>
+        <a:ea typeface="+mn-ea"/>
+        <a:cs typeface="+mn-cs"/>
+      </a:defRPr>
+    </a:lvl7pPr>
+    <a:lvl8pPr marL="3200400" algn="l" defTabSz="914400" rtl="0" eaLnBrk="1" latinLnBrk="0" hangingPunct="1">
+      <a:defRPr sz="1200" kern="1200">
+        <a:solidFill>
+          <a:schemeClr val="tx1"/>
+        </a:solidFill>
+        <a:latin typeface="+mn-lt"/>
+        <a:ea typeface="+mn-ea"/>
+        <a:cs typeface="+mn-cs"/>
+      </a:defRPr>
+    </a:lvl8pPr>
+    <a:lvl9pPr marL="3657600" algn="l" defTabSz="914400" rtl="0" eaLnBrk="1" latinLnBrk="0" hangingPunct="1">
+      <a:defRPr sz="1200" kern="1200">
+        <a:solidFill>
+          <a:schemeClr val="tx1"/>
+        </a:solidFill>
+        <a:latin typeface="+mn-lt"/>
+        <a:ea typeface="+mn-ea"/>
+        <a:cs typeface="+mn-cs"/>
+      </a:defRPr>
+    </a:lvl9pPr>
+  </p:notesStyle>
+</p:notesMaster>
+</file>
+
+<file path=ppt/notesSlides/notesSlide1.xml><?xml version="1.0" encoding="utf-8"?>
+<p:notes xmlns:a="http://schemas.openxmlformats.org/drawingml/2006/main" xmlns:r="http://schemas.openxmlformats.org/officeDocument/2006/relationships" xmlns:p="http://schemas.openxmlformats.org/presentationml/2006/main">
+  <p:cSld>
+    <p:spTree>
+      <p:nvGrpSpPr>
+        <p:cNvPr id="1" name=""/>
+        <p:cNvGrpSpPr/>
+        <p:nvPr/>
+      </p:nvGrpSpPr>
+      <p:grpSpPr>
+        <a:xfrm>
+          <a:off x="0" y="0"/>
+          <a:ext cx="0" cy="0"/>
+          <a:chOff x="0" y="0"/>
+          <a:chExt cx="0" cy="0"/>
+        </a:xfrm>
+      </p:grpSpPr>
+      <p:sp>
+        <p:nvSpPr>
+          <p:cNvPr id="2" name="Slide Image Placeholder 1"/>
+          <p:cNvSpPr>
+            <a:spLocks noGrp="1" noRot="1" noChangeAspect="1"/>
+          </p:cNvSpPr>
+          <p:nvPr>
+            <p:ph type="sldImg"/>
+          </p:nvPr>
+        </p:nvSpPr>
+        <p:spPr/>
+      </p:sp>
+      <p:sp>
+        <p:nvSpPr>
+          <p:cNvPr id="3" name="Notes Placeholder 2"/>
+          <p:cNvSpPr>
+            <a:spLocks noGrp="1"/>
+          </p:cNvSpPr>
+          <p:nvPr>
+            <p:ph type="body" idx="1"/>
+          </p:nvPr>
+        </p:nvSpPr>
+        <p:spPr/>
+        <p:txBody>
+          <a:bodyPr/>
+          <a:lstStyle/>
+          <a:p>
+            <a:pPr indent="-180340">
+              <a:lnSpc>
+                <a:spcPct val="107000"/>
+              </a:lnSpc>
+              <a:spcAft>
+                <a:spcPts val="800"/>
+              </a:spcAft>
+              <a:buNone/>
+            </a:pPr>
+            <a:r>
+              <a:rPr lang="en-US" sz="1600" b="1" dirty="0">
+                <a:effectLst/>
+                <a:latin typeface="Source Sans Pro" panose="020B0503030403020204" pitchFamily="34" charset="0"/>
+                <a:ea typeface="Source Sans Pro" panose="020B0503030403020204" pitchFamily="34" charset="0"/>
+                <a:cs typeface="Arial" panose="020B0604020202020204" pitchFamily="34" charset="0"/>
+              </a:rPr>
+              <a:t>One Pager (4 minutes)</a:t>
+            </a:r>
+          </a:p>
+          <a:p>
+            <a:pPr indent="-180340">
+              <a:lnSpc>
+                <a:spcPct val="107000"/>
+              </a:lnSpc>
+              <a:spcAft>
+                <a:spcPts val="800"/>
+              </a:spcAft>
+              <a:buNone/>
+            </a:pPr>
+            <a:r>
+              <a:rPr lang="en-US" sz="1600" b="1" dirty="0">
+                <a:effectLst/>
+                <a:latin typeface="Source Sans Pro" panose="020B0503030403020204" pitchFamily="34" charset="0"/>
+                <a:ea typeface="Source Sans Pro" panose="020B0503030403020204" pitchFamily="34" charset="0"/>
+                <a:cs typeface="Arial" panose="020B0604020202020204" pitchFamily="34" charset="0"/>
+              </a:rPr>
+              <a:t>                                                                                                                                                              </a:t>
+            </a:r>
+            <a:endParaRPr lang="en-US" sz="1600" dirty="0">
+              <a:effectLst/>
+              <a:latin typeface="Source Sans Pro" panose="020B0503030403020204" pitchFamily="34" charset="0"/>
+              <a:ea typeface="Source Sans Pro" panose="020B0503030403020204" pitchFamily="34" charset="0"/>
+              <a:cs typeface="Arial" panose="020B0604020202020204" pitchFamily="34" charset="0"/>
+            </a:endParaRPr>
+          </a:p>
+          <a:p>
+            <a:pPr indent="-180340">
+              <a:lnSpc>
+                <a:spcPct val="107000"/>
+              </a:lnSpc>
+              <a:spcAft>
+                <a:spcPts val="800"/>
+              </a:spcAft>
+              <a:buNone/>
+            </a:pPr>
+            <a:r>
+              <a:rPr lang="en-US" sz="1600" b="1" dirty="0">
+                <a:effectLst/>
+                <a:latin typeface="Source Sans Pro" panose="020B0503030403020204" pitchFamily="34" charset="0"/>
+                <a:ea typeface="Source Sans Pro" panose="020B0503030403020204" pitchFamily="34" charset="0"/>
+                <a:cs typeface="Arial" panose="020B0604020202020204" pitchFamily="34" charset="0"/>
+              </a:rPr>
+              <a:t>Introduction</a:t>
+            </a:r>
+            <a:br>
+              <a:rPr lang="en-US" sz="1600" dirty="0">
+                <a:effectLst/>
+                <a:latin typeface="Source Sans Pro" panose="020B0503030403020204" pitchFamily="34" charset="0"/>
+                <a:ea typeface="Source Sans Pro" panose="020B0503030403020204" pitchFamily="34" charset="0"/>
+                <a:cs typeface="Arial" panose="020B0604020202020204" pitchFamily="34" charset="0"/>
+              </a:rPr>
+            </a:br>
+            <a:r>
+              <a:rPr lang="en-US" sz="1600" dirty="0">
+                <a:effectLst/>
+                <a:latin typeface="Source Sans Pro" panose="020B0503030403020204" pitchFamily="34" charset="0"/>
+                <a:ea typeface="Source Sans Pro" panose="020B0503030403020204" pitchFamily="34" charset="0"/>
+                <a:cs typeface="Arial" panose="020B0604020202020204" pitchFamily="34" charset="0"/>
+              </a:rPr>
+              <a:t>This one-pager presents an overview of a strategic initiative titled </a:t>
+            </a:r>
+            <a:r>
+              <a:rPr lang="en-US" sz="1600" b="1" dirty="0">
+                <a:effectLst/>
+                <a:latin typeface="Source Sans Pro" panose="020B0503030403020204" pitchFamily="34" charset="0"/>
+                <a:ea typeface="Source Sans Pro" panose="020B0503030403020204" pitchFamily="34" charset="0"/>
+                <a:cs typeface="Arial" panose="020B0604020202020204" pitchFamily="34" charset="0"/>
+              </a:rPr>
+              <a:t>"Data as a Strategic Asset – Transforming Architecture. Simplifying Decisions."</a:t>
+            </a:r>
+            <a:r>
+              <a:rPr lang="en-US" sz="1600" dirty="0">
+                <a:effectLst/>
+                <a:latin typeface="Source Sans Pro" panose="020B0503030403020204" pitchFamily="34" charset="0"/>
+                <a:ea typeface="Source Sans Pro" panose="020B0503030403020204" pitchFamily="34" charset="0"/>
+                <a:cs typeface="Arial" panose="020B0604020202020204" pitchFamily="34" charset="0"/>
+              </a:rPr>
+              <a:t> It outlines how Allianz can modernize its data architecture to accelerate growth, enhance operational excellence, and foster innovation— aligned with the company's 2025 strategic goals.</a:t>
+            </a:r>
+          </a:p>
+          <a:p>
+            <a:pPr>
+              <a:lnSpc>
+                <a:spcPct val="107000"/>
+              </a:lnSpc>
+              <a:spcAft>
+                <a:spcPts val="800"/>
+              </a:spcAft>
+              <a:buNone/>
+            </a:pPr>
+            <a:r>
+              <a:rPr lang="en-US" sz="1600" dirty="0">
+                <a:effectLst/>
+                <a:latin typeface="Source Sans Pro" panose="020B0503030403020204" pitchFamily="34" charset="0"/>
+                <a:ea typeface="Source Sans Pro" panose="020B0503030403020204" pitchFamily="34" charset="0"/>
+                <a:cs typeface="Arial" panose="020B0604020202020204" pitchFamily="34" charset="0"/>
+              </a:rPr>
+              <a:t>The document is structured into the following sections: </a:t>
+            </a:r>
+            <a:r>
+              <a:rPr lang="en-US" sz="1600" b="1" dirty="0">
+                <a:effectLst/>
+                <a:latin typeface="Source Sans Pro" panose="020B0503030403020204" pitchFamily="34" charset="0"/>
+                <a:ea typeface="Source Sans Pro" panose="020B0503030403020204" pitchFamily="34" charset="0"/>
+                <a:cs typeface="Arial" panose="020B0604020202020204" pitchFamily="34" charset="0"/>
+              </a:rPr>
+              <a:t>Executive Summary, Business Headline, Opportunity, Solution,</a:t>
+            </a:r>
+            <a:r>
+              <a:rPr lang="en-US" sz="1600" dirty="0">
+                <a:effectLst/>
+                <a:latin typeface="Source Sans Pro" panose="020B0503030403020204" pitchFamily="34" charset="0"/>
+                <a:ea typeface="Source Sans Pro" panose="020B0503030403020204" pitchFamily="34" charset="0"/>
+                <a:cs typeface="Arial" panose="020B0604020202020204" pitchFamily="34" charset="0"/>
+              </a:rPr>
+              <a:t> and </a:t>
+            </a:r>
+            <a:r>
+              <a:rPr lang="en-US" sz="1600" b="1" dirty="0">
+                <a:effectLst/>
+                <a:latin typeface="Source Sans Pro" panose="020B0503030403020204" pitchFamily="34" charset="0"/>
+                <a:ea typeface="Source Sans Pro" panose="020B0503030403020204" pitchFamily="34" charset="0"/>
+                <a:cs typeface="Arial" panose="020B0604020202020204" pitchFamily="34" charset="0"/>
+              </a:rPr>
+              <a:t>Strategy</a:t>
+            </a:r>
+            <a:r>
+              <a:rPr lang="en-US" sz="1600" dirty="0">
+                <a:effectLst/>
+                <a:latin typeface="Source Sans Pro" panose="020B0503030403020204" pitchFamily="34" charset="0"/>
+                <a:ea typeface="Source Sans Pro" panose="020B0503030403020204" pitchFamily="34" charset="0"/>
+                <a:cs typeface="Arial" panose="020B0604020202020204" pitchFamily="34" charset="0"/>
+              </a:rPr>
+              <a:t>.</a:t>
+            </a:r>
+          </a:p>
+          <a:p>
+            <a:pPr>
+              <a:lnSpc>
+                <a:spcPct val="107000"/>
+              </a:lnSpc>
+              <a:spcAft>
+                <a:spcPts val="800"/>
+              </a:spcAft>
+              <a:buNone/>
+            </a:pPr>
+            <a:endParaRPr lang="en-US" sz="1600" dirty="0">
+              <a:effectLst/>
+              <a:latin typeface="Source Sans Pro" panose="020B0503030403020204" pitchFamily="34" charset="0"/>
+              <a:ea typeface="Source Sans Pro" panose="020B0503030403020204" pitchFamily="34" charset="0"/>
+              <a:cs typeface="Arial" panose="020B0604020202020204" pitchFamily="34" charset="0"/>
+            </a:endParaRPr>
+          </a:p>
+          <a:p>
+            <a:pPr indent="-180340">
+              <a:lnSpc>
+                <a:spcPct val="107000"/>
+              </a:lnSpc>
+              <a:spcAft>
+                <a:spcPts val="800"/>
+              </a:spcAft>
+              <a:buNone/>
+            </a:pPr>
+            <a:r>
+              <a:rPr lang="en-US" sz="1600" b="1" dirty="0">
+                <a:effectLst/>
+                <a:latin typeface="Source Sans Pro" panose="020B0503030403020204" pitchFamily="34" charset="0"/>
+                <a:ea typeface="Source Sans Pro" panose="020B0503030403020204" pitchFamily="34" charset="0"/>
+                <a:cs typeface="Arial" panose="020B0604020202020204" pitchFamily="34" charset="0"/>
+              </a:rPr>
+              <a:t>Executive Summary</a:t>
+            </a:r>
+            <a:br>
+              <a:rPr lang="en-US" sz="1600" dirty="0">
+                <a:effectLst/>
+                <a:latin typeface="Source Sans Pro" panose="020B0503030403020204" pitchFamily="34" charset="0"/>
+                <a:ea typeface="Source Sans Pro" panose="020B0503030403020204" pitchFamily="34" charset="0"/>
+                <a:cs typeface="Arial" panose="020B0604020202020204" pitchFamily="34" charset="0"/>
+              </a:rPr>
+            </a:br>
+            <a:r>
+              <a:rPr lang="en-US" sz="1600" dirty="0">
+                <a:effectLst/>
+                <a:latin typeface="Source Sans Pro" panose="020B0503030403020204" pitchFamily="34" charset="0"/>
+                <a:ea typeface="Source Sans Pro" panose="020B0503030403020204" pitchFamily="34" charset="0"/>
+                <a:cs typeface="Arial" panose="020B0604020202020204" pitchFamily="34" charset="0"/>
+              </a:rPr>
+              <a:t>Over the Executive Summary, it’s possible the see the already mentioned objective, along with a roadmap and resources needed. The plan is structured over less than three years (6 months of planning, 1.5 years of execution, and a final year for system maturation). It is estimated a need for 6 FTEs and a €3 million budget (€1 million for platform investment and €2 million for consultancy support).</a:t>
+            </a:r>
+          </a:p>
+          <a:p>
+            <a:pPr indent="-180340">
+              <a:lnSpc>
+                <a:spcPct val="107000"/>
+              </a:lnSpc>
+              <a:spcAft>
+                <a:spcPts val="800"/>
+              </a:spcAft>
+              <a:buNone/>
+            </a:pPr>
+            <a:endParaRPr lang="en-US" sz="1600" dirty="0">
+              <a:effectLst/>
+              <a:latin typeface="Source Sans Pro" panose="020B0503030403020204" pitchFamily="34" charset="0"/>
+              <a:ea typeface="Source Sans Pro" panose="020B0503030403020204" pitchFamily="34" charset="0"/>
+              <a:cs typeface="Arial" panose="020B0604020202020204" pitchFamily="34" charset="0"/>
+            </a:endParaRPr>
+          </a:p>
+          <a:p>
+            <a:pPr indent="-180340">
+              <a:lnSpc>
+                <a:spcPct val="107000"/>
+              </a:lnSpc>
+              <a:spcAft>
+                <a:spcPts val="800"/>
+              </a:spcAft>
+              <a:buNone/>
+            </a:pPr>
+            <a:r>
+              <a:rPr lang="en-US" sz="1600" b="1" dirty="0">
+                <a:effectLst/>
+                <a:latin typeface="Source Sans Pro" panose="020B0503030403020204" pitchFamily="34" charset="0"/>
+                <a:ea typeface="Source Sans Pro" panose="020B0503030403020204" pitchFamily="34" charset="0"/>
+                <a:cs typeface="Arial" panose="020B0604020202020204" pitchFamily="34" charset="0"/>
+              </a:rPr>
+              <a:t>Business Headline</a:t>
+            </a:r>
+            <a:br>
+              <a:rPr lang="en-US" sz="1600" dirty="0">
+                <a:effectLst/>
+                <a:latin typeface="Source Sans Pro" panose="020B0503030403020204" pitchFamily="34" charset="0"/>
+                <a:ea typeface="Source Sans Pro" panose="020B0503030403020204" pitchFamily="34" charset="0"/>
+                <a:cs typeface="Arial" panose="020B0604020202020204" pitchFamily="34" charset="0"/>
+              </a:rPr>
+            </a:br>
+            <a:r>
+              <a:rPr lang="en-US" sz="1600" dirty="0">
+                <a:effectLst/>
+                <a:latin typeface="Source Sans Pro" panose="020B0503030403020204" pitchFamily="34" charset="0"/>
+                <a:ea typeface="Source Sans Pro" panose="020B0503030403020204" pitchFamily="34" charset="0"/>
+                <a:cs typeface="Arial" panose="020B0604020202020204" pitchFamily="34" charset="0"/>
+              </a:rPr>
+              <a:t>Here, once again, I emphasize how good this whole transformation can be for the company.</a:t>
+            </a:r>
+          </a:p>
+          <a:p>
+            <a:pPr indent="-180340">
+              <a:lnSpc>
+                <a:spcPct val="107000"/>
+              </a:lnSpc>
+              <a:spcAft>
+                <a:spcPts val="800"/>
+              </a:spcAft>
+              <a:buNone/>
+            </a:pPr>
+            <a:endParaRPr lang="en-US" sz="1600" dirty="0">
+              <a:effectLst/>
+              <a:latin typeface="Source Sans Pro" panose="020B0503030403020204" pitchFamily="34" charset="0"/>
+              <a:ea typeface="Source Sans Pro" panose="020B0503030403020204" pitchFamily="34" charset="0"/>
+              <a:cs typeface="Arial" panose="020B0604020202020204" pitchFamily="34" charset="0"/>
+            </a:endParaRPr>
+          </a:p>
+          <a:p>
+            <a:pPr indent="-180340">
+              <a:lnSpc>
+                <a:spcPct val="107000"/>
+              </a:lnSpc>
+              <a:spcAft>
+                <a:spcPts val="800"/>
+              </a:spcAft>
+              <a:buNone/>
+            </a:pPr>
+            <a:r>
+              <a:rPr lang="en-US" sz="1600" b="1" dirty="0">
+                <a:effectLst/>
+                <a:latin typeface="Source Sans Pro" panose="020B0503030403020204" pitchFamily="34" charset="0"/>
+                <a:ea typeface="Source Sans Pro" panose="020B0503030403020204" pitchFamily="34" charset="0"/>
+                <a:cs typeface="Arial" panose="020B0604020202020204" pitchFamily="34" charset="0"/>
+              </a:rPr>
+              <a:t>Opportunity</a:t>
+            </a:r>
+            <a:br>
+              <a:rPr lang="en-US" sz="1600" dirty="0">
+                <a:effectLst/>
+                <a:latin typeface="Source Sans Pro" panose="020B0503030403020204" pitchFamily="34" charset="0"/>
+                <a:ea typeface="Source Sans Pro" panose="020B0503030403020204" pitchFamily="34" charset="0"/>
+                <a:cs typeface="Arial" panose="020B0604020202020204" pitchFamily="34" charset="0"/>
+              </a:rPr>
+            </a:br>
+            <a:r>
+              <a:rPr lang="en-US" sz="1600" dirty="0">
+                <a:effectLst/>
+                <a:latin typeface="Source Sans Pro" panose="020B0503030403020204" pitchFamily="34" charset="0"/>
+                <a:ea typeface="Source Sans Pro" panose="020B0503030403020204" pitchFamily="34" charset="0"/>
+                <a:cs typeface="Arial" panose="020B0604020202020204" pitchFamily="34" charset="0"/>
+              </a:rPr>
+              <a:t>In terms of opportunities, today the companies rely an on-premises architecture, which is a major bottleneck. It is costly, inflexible, and difficult to scale. Legacy systems and an outdated data warehouse hinder agility, while reliance on old platforms limits the ability to adopt modern analytics and integration tools. This severely impacts the speed of decision-making and innovation potential.</a:t>
+            </a:r>
+          </a:p>
+          <a:p>
+            <a:pPr indent="-180340">
+              <a:lnSpc>
+                <a:spcPct val="107000"/>
+              </a:lnSpc>
+              <a:spcAft>
+                <a:spcPts val="800"/>
+              </a:spcAft>
+              <a:buNone/>
+            </a:pPr>
+            <a:endParaRPr lang="en-US" sz="1600" dirty="0">
+              <a:effectLst/>
+              <a:latin typeface="Source Sans Pro" panose="020B0503030403020204" pitchFamily="34" charset="0"/>
+              <a:ea typeface="Source Sans Pro" panose="020B0503030403020204" pitchFamily="34" charset="0"/>
+              <a:cs typeface="Arial" panose="020B0604020202020204" pitchFamily="34" charset="0"/>
+            </a:endParaRPr>
+          </a:p>
+          <a:p>
+            <a:pPr indent="-180340">
+              <a:lnSpc>
+                <a:spcPct val="107000"/>
+              </a:lnSpc>
+              <a:spcAft>
+                <a:spcPts val="800"/>
+              </a:spcAft>
+              <a:buNone/>
+            </a:pPr>
+            <a:r>
+              <a:rPr lang="en-US" sz="1600" b="1" dirty="0">
+                <a:effectLst/>
+                <a:latin typeface="Source Sans Pro" panose="020B0503030403020204" pitchFamily="34" charset="0"/>
+                <a:ea typeface="Source Sans Pro" panose="020B0503030403020204" pitchFamily="34" charset="0"/>
+                <a:cs typeface="Arial" panose="020B0604020202020204" pitchFamily="34" charset="0"/>
+              </a:rPr>
+              <a:t>Solution</a:t>
+            </a:r>
+            <a:br>
+              <a:rPr lang="en-US" sz="1600" dirty="0">
+                <a:effectLst/>
+                <a:latin typeface="Source Sans Pro" panose="020B0503030403020204" pitchFamily="34" charset="0"/>
+                <a:ea typeface="Source Sans Pro" panose="020B0503030403020204" pitchFamily="34" charset="0"/>
+                <a:cs typeface="Arial" panose="020B0604020202020204" pitchFamily="34" charset="0"/>
+              </a:rPr>
+            </a:br>
+            <a:r>
+              <a:rPr lang="en-US" sz="1600" dirty="0">
+                <a:effectLst/>
+                <a:latin typeface="Source Sans Pro" panose="020B0503030403020204" pitchFamily="34" charset="0"/>
+                <a:ea typeface="Source Sans Pro" panose="020B0503030403020204" pitchFamily="34" charset="0"/>
+                <a:cs typeface="Arial" panose="020B0604020202020204" pitchFamily="34" charset="0"/>
+              </a:rPr>
+              <a:t>However, a problem cannot exist without its counterpart, a solution – and in this case, that comes as cloud-based architecture. By investing €3 million and mobilizing 6 FTEs, within 3 years, we can modernize, boost scalability, agility, and collaboration across the entire organization. This transformation will enable fast, trusted, and intelligent decision-making through AI, automation, and insights.</a:t>
+            </a:r>
+          </a:p>
+          <a:p>
+            <a:pPr indent="-180340">
+              <a:lnSpc>
+                <a:spcPct val="107000"/>
+              </a:lnSpc>
+              <a:spcAft>
+                <a:spcPts val="800"/>
+              </a:spcAft>
+              <a:buNone/>
+            </a:pPr>
+            <a:endParaRPr lang="en-US" sz="1600" dirty="0">
+              <a:effectLst/>
+              <a:latin typeface="Source Sans Pro" panose="020B0503030403020204" pitchFamily="34" charset="0"/>
+              <a:ea typeface="Source Sans Pro" panose="020B0503030403020204" pitchFamily="34" charset="0"/>
+              <a:cs typeface="Arial" panose="020B0604020202020204" pitchFamily="34" charset="0"/>
+            </a:endParaRPr>
+          </a:p>
+          <a:p>
+            <a:pPr indent="-180340">
+              <a:lnSpc>
+                <a:spcPct val="107000"/>
+              </a:lnSpc>
+              <a:spcAft>
+                <a:spcPts val="800"/>
+              </a:spcAft>
+              <a:buNone/>
+            </a:pPr>
+            <a:r>
+              <a:rPr lang="en-US" sz="1600" b="1" dirty="0">
+                <a:effectLst/>
+                <a:latin typeface="Source Sans Pro" panose="020B0503030403020204" pitchFamily="34" charset="0"/>
+                <a:ea typeface="Source Sans Pro" panose="020B0503030403020204" pitchFamily="34" charset="0"/>
+                <a:cs typeface="Arial" panose="020B0604020202020204" pitchFamily="34" charset="0"/>
+              </a:rPr>
+              <a:t>Strategy</a:t>
+            </a:r>
+          </a:p>
+          <a:p>
+            <a:pPr indent="-180340">
+              <a:lnSpc>
+                <a:spcPct val="107000"/>
+              </a:lnSpc>
+              <a:spcAft>
+                <a:spcPts val="800"/>
+              </a:spcAft>
+              <a:buNone/>
+            </a:pPr>
+            <a:r>
+              <a:rPr lang="en-US" sz="1600" dirty="0">
+                <a:effectLst/>
+                <a:latin typeface="Source Sans Pro" panose="020B0503030403020204" pitchFamily="34" charset="0"/>
+                <a:ea typeface="Source Sans Pro" panose="020B0503030403020204" pitchFamily="34" charset="0"/>
+                <a:cs typeface="Arial" panose="020B0604020202020204" pitchFamily="34" charset="0"/>
+              </a:rPr>
+              <a:t>Ensuring the solution also follows in line with the company’s strategy for 2025:</a:t>
+            </a:r>
+          </a:p>
+          <a:p>
+            <a:pPr marL="342900" lvl="0" indent="-342900">
+              <a:lnSpc>
+                <a:spcPct val="107000"/>
+              </a:lnSpc>
+              <a:spcAft>
+                <a:spcPts val="800"/>
+              </a:spcAft>
+              <a:buSzPts val="1000"/>
+              <a:buFont typeface="Symbol" panose="05050102010706020507" pitchFamily="18" charset="2"/>
+              <a:buChar char=""/>
+              <a:tabLst>
+                <a:tab pos="457200" algn="l"/>
+              </a:tabLst>
+            </a:pPr>
+            <a:r>
+              <a:rPr lang="en-US" sz="1600" dirty="0">
+                <a:effectLst/>
+                <a:latin typeface="Source Sans Pro" panose="020B0503030403020204" pitchFamily="34" charset="0"/>
+                <a:ea typeface="Source Sans Pro" panose="020B0503030403020204" pitchFamily="34" charset="0"/>
+                <a:cs typeface="Arial" panose="020B0604020202020204" pitchFamily="34" charset="0"/>
+              </a:rPr>
+              <a:t>It will drive above-market growth.</a:t>
+            </a:r>
+          </a:p>
+          <a:p>
+            <a:pPr marL="342900" lvl="0" indent="-342900">
+              <a:lnSpc>
+                <a:spcPct val="107000"/>
+              </a:lnSpc>
+              <a:spcAft>
+                <a:spcPts val="800"/>
+              </a:spcAft>
+              <a:buSzPts val="1000"/>
+              <a:buFont typeface="Symbol" panose="05050102010706020507" pitchFamily="18" charset="2"/>
+              <a:buChar char=""/>
+              <a:tabLst>
+                <a:tab pos="457200" algn="l"/>
+              </a:tabLst>
+            </a:pPr>
+            <a:r>
+              <a:rPr lang="en-US" sz="1600" dirty="0">
+                <a:effectLst/>
+                <a:latin typeface="Source Sans Pro" panose="020B0503030403020204" pitchFamily="34" charset="0"/>
+                <a:ea typeface="Source Sans Pro" panose="020B0503030403020204" pitchFamily="34" charset="0"/>
+                <a:cs typeface="Arial" panose="020B0604020202020204" pitchFamily="34" charset="0"/>
+              </a:rPr>
+              <a:t>It will automate processes and enhance technical excellence.</a:t>
+            </a:r>
+          </a:p>
+          <a:p>
+            <a:pPr marL="342900" lvl="0" indent="-342900">
+              <a:lnSpc>
+                <a:spcPct val="107000"/>
+              </a:lnSpc>
+              <a:spcAft>
+                <a:spcPts val="800"/>
+              </a:spcAft>
+              <a:buSzPts val="1000"/>
+              <a:buFont typeface="Symbol" panose="05050102010706020507" pitchFamily="18" charset="2"/>
+              <a:buChar char=""/>
+              <a:tabLst>
+                <a:tab pos="457200" algn="l"/>
+              </a:tabLst>
+            </a:pPr>
+            <a:r>
+              <a:rPr lang="en-US" sz="1600" dirty="0">
+                <a:effectLst/>
+                <a:latin typeface="Source Sans Pro" panose="020B0503030403020204" pitchFamily="34" charset="0"/>
+                <a:ea typeface="Source Sans Pro" panose="020B0503030403020204" pitchFamily="34" charset="0"/>
+                <a:cs typeface="Arial" panose="020B0604020202020204" pitchFamily="34" charset="0"/>
+              </a:rPr>
+              <a:t>It will improve margins and service levels by making the organization more efficient, connected, and data-driven.</a:t>
+            </a:r>
+          </a:p>
+          <a:p>
+            <a:pPr marL="342900" lvl="0" indent="-342900">
+              <a:lnSpc>
+                <a:spcPct val="107000"/>
+              </a:lnSpc>
+              <a:spcAft>
+                <a:spcPts val="800"/>
+              </a:spcAft>
+              <a:buSzPts val="1000"/>
+              <a:buFont typeface="Symbol" panose="05050102010706020507" pitchFamily="18" charset="2"/>
+              <a:buChar char=""/>
+              <a:tabLst>
+                <a:tab pos="457200" algn="l"/>
+              </a:tabLst>
+            </a:pPr>
+            <a:endParaRPr lang="en-US" sz="1600" dirty="0">
+              <a:effectLst/>
+              <a:latin typeface="Source Sans Pro" panose="020B0503030403020204" pitchFamily="34" charset="0"/>
+              <a:ea typeface="Source Sans Pro" panose="020B0503030403020204" pitchFamily="34" charset="0"/>
+              <a:cs typeface="Arial" panose="020B0604020202020204" pitchFamily="34" charset="0"/>
+            </a:endParaRPr>
+          </a:p>
+          <a:p>
+            <a:pPr indent="-180340">
+              <a:lnSpc>
+                <a:spcPct val="107000"/>
+              </a:lnSpc>
+              <a:spcAft>
+                <a:spcPts val="800"/>
+              </a:spcAft>
+              <a:buNone/>
+            </a:pPr>
+            <a:r>
+              <a:rPr lang="en-US" sz="1600" b="1" dirty="0">
+                <a:effectLst/>
+                <a:latin typeface="Source Sans Pro" panose="020B0503030403020204" pitchFamily="34" charset="0"/>
+                <a:ea typeface="Source Sans Pro" panose="020B0503030403020204" pitchFamily="34" charset="0"/>
+                <a:cs typeface="Arial" panose="020B0604020202020204" pitchFamily="34" charset="0"/>
+              </a:rPr>
+              <a:t>Closing</a:t>
+            </a:r>
+          </a:p>
+          <a:p>
+            <a:pPr>
+              <a:lnSpc>
+                <a:spcPct val="107000"/>
+              </a:lnSpc>
+              <a:spcAft>
+                <a:spcPts val="800"/>
+              </a:spcAft>
+            </a:pPr>
+            <a:r>
+              <a:rPr lang="en-US" sz="1600" dirty="0">
+                <a:effectLst/>
+                <a:latin typeface="Source Sans Pro" panose="020B0503030403020204" pitchFamily="34" charset="0"/>
+                <a:ea typeface="Source Sans Pro" panose="020B0503030403020204" pitchFamily="34" charset="0"/>
+                <a:cs typeface="Arial" panose="020B0604020202020204" pitchFamily="34" charset="0"/>
+              </a:rPr>
+              <a:t>In short, this is not just a technological upgrade — it’s a business enabler. Modern data architecture will simplify decisions, fuel innovation, and position Allianz for the best.</a:t>
+            </a:r>
+          </a:p>
+          <a:p>
+            <a:endParaRPr lang="en-US" sz="1100" dirty="0">
+              <a:latin typeface="Source Sans Pro" panose="020B0503030403020204" pitchFamily="34" charset="0"/>
+              <a:ea typeface="Source Sans Pro" panose="020B0503030403020204" pitchFamily="34" charset="0"/>
+            </a:endParaRPr>
+          </a:p>
+        </p:txBody>
+      </p:sp>
+      <p:sp>
+        <p:nvSpPr>
+          <p:cNvPr id="4" name="Slide Number Placeholder 3"/>
+          <p:cNvSpPr>
+            <a:spLocks noGrp="1"/>
+          </p:cNvSpPr>
+          <p:nvPr>
+            <p:ph type="sldNum" sz="quarter" idx="5"/>
+          </p:nvPr>
+        </p:nvSpPr>
+        <p:spPr/>
+        <p:txBody>
+          <a:bodyPr/>
+          <a:lstStyle/>
+          <a:p>
+            <a:fld id="{1410AC08-25B0-4579-9334-3FC1C474708F}" type="slidenum">
+              <a:rPr lang="en-US" smtClean="0"/>
+              <a:t>1</a:t>
+            </a:fld>
+            <a:endParaRPr lang="en-US"/>
+          </a:p>
+        </p:txBody>
+      </p:sp>
+    </p:spTree>
+    <p:extLst>
+      <p:ext uri="{BB962C8B-B14F-4D97-AF65-F5344CB8AC3E}">
+        <p14:creationId xmlns:p14="http://schemas.microsoft.com/office/powerpoint/2010/main" val="3359731548"/>
+      </p:ext>
+    </p:extLst>
+  </p:cSld>
+  <p:clrMapOvr>
+    <a:masterClrMapping/>
+  </p:clrMapOvr>
+</p:notes>
 </file>
 
 <file path=ppt/slideLayouts/slideLayout1.xml><?xml version="1.0" encoding="utf-8"?>
@@ -280,7 +1277,7 @@
           <a:p>
             <a:fld id="{35EEC05C-A0EB-4626-A9D0-CBAA378BE254}" type="datetimeFigureOut">
               <a:rPr lang="en-US" smtClean="0"/>
-              <a:t>4/26/2025</a:t>
+              <a:t>4/29/2025</a:t>
             </a:fld>
             <a:endParaRPr lang="en-US"/>
           </a:p>
@@ -450,7 +1447,7 @@
           <a:p>
             <a:fld id="{35EEC05C-A0EB-4626-A9D0-CBAA378BE254}" type="datetimeFigureOut">
               <a:rPr lang="en-US" smtClean="0"/>
-              <a:t>4/26/2025</a:t>
+              <a:t>4/29/2025</a:t>
             </a:fld>
             <a:endParaRPr lang="en-US"/>
           </a:p>
@@ -630,7 +1627,7 @@
           <a:p>
             <a:fld id="{35EEC05C-A0EB-4626-A9D0-CBAA378BE254}" type="datetimeFigureOut">
               <a:rPr lang="en-US" smtClean="0"/>
-              <a:t>4/26/2025</a:t>
+              <a:t>4/29/2025</a:t>
             </a:fld>
             <a:endParaRPr lang="en-US"/>
           </a:p>
@@ -800,7 +1797,7 @@
           <a:p>
             <a:fld id="{35EEC05C-A0EB-4626-A9D0-CBAA378BE254}" type="datetimeFigureOut">
               <a:rPr lang="en-US" smtClean="0"/>
-              <a:t>4/26/2025</a:t>
+              <a:t>4/29/2025</a:t>
             </a:fld>
             <a:endParaRPr lang="en-US"/>
           </a:p>
@@ -1044,7 +2041,7 @@
           <a:p>
             <a:fld id="{35EEC05C-A0EB-4626-A9D0-CBAA378BE254}" type="datetimeFigureOut">
               <a:rPr lang="en-US" smtClean="0"/>
-              <a:t>4/26/2025</a:t>
+              <a:t>4/29/2025</a:t>
             </a:fld>
             <a:endParaRPr lang="en-US"/>
           </a:p>
@@ -1276,7 +2273,7 @@
           <a:p>
             <a:fld id="{35EEC05C-A0EB-4626-A9D0-CBAA378BE254}" type="datetimeFigureOut">
               <a:rPr lang="en-US" smtClean="0"/>
-              <a:t>4/26/2025</a:t>
+              <a:t>4/29/2025</a:t>
             </a:fld>
             <a:endParaRPr lang="en-US"/>
           </a:p>
@@ -1643,7 +2640,7 @@
           <a:p>
             <a:fld id="{35EEC05C-A0EB-4626-A9D0-CBAA378BE254}" type="datetimeFigureOut">
               <a:rPr lang="en-US" smtClean="0"/>
-              <a:t>4/26/2025</a:t>
+              <a:t>4/29/2025</a:t>
             </a:fld>
             <a:endParaRPr lang="en-US"/>
           </a:p>
@@ -1761,7 +2758,7 @@
           <a:p>
             <a:fld id="{35EEC05C-A0EB-4626-A9D0-CBAA378BE254}" type="datetimeFigureOut">
               <a:rPr lang="en-US" smtClean="0"/>
-              <a:t>4/26/2025</a:t>
+              <a:t>4/29/2025</a:t>
             </a:fld>
             <a:endParaRPr lang="en-US"/>
           </a:p>
@@ -1856,7 +2853,7 @@
           <a:p>
             <a:fld id="{35EEC05C-A0EB-4626-A9D0-CBAA378BE254}" type="datetimeFigureOut">
               <a:rPr lang="en-US" smtClean="0"/>
-              <a:t>4/26/2025</a:t>
+              <a:t>4/29/2025</a:t>
             </a:fld>
             <a:endParaRPr lang="en-US"/>
           </a:p>
@@ -2133,7 +3130,7 @@
           <a:p>
             <a:fld id="{35EEC05C-A0EB-4626-A9D0-CBAA378BE254}" type="datetimeFigureOut">
               <a:rPr lang="en-US" smtClean="0"/>
-              <a:t>4/26/2025</a:t>
+              <a:t>4/29/2025</a:t>
             </a:fld>
             <a:endParaRPr lang="en-US"/>
           </a:p>
@@ -2390,7 +3387,7 @@
           <a:p>
             <a:fld id="{35EEC05C-A0EB-4626-A9D0-CBAA378BE254}" type="datetimeFigureOut">
               <a:rPr lang="en-US" smtClean="0"/>
-              <a:t>4/26/2025</a:t>
+              <a:t>4/29/2025</a:t>
             </a:fld>
             <a:endParaRPr lang="en-US"/>
           </a:p>
@@ -2603,7 +3600,7 @@
           <a:p>
             <a:fld id="{35EEC05C-A0EB-4626-A9D0-CBAA378BE254}" type="datetimeFigureOut">
               <a:rPr lang="en-US" smtClean="0"/>
-              <a:t>4/26/2025</a:t>
+              <a:t>4/29/2025</a:t>
             </a:fld>
             <a:endParaRPr lang="en-US"/>
           </a:p>
@@ -3023,7 +4020,7 @@
           <p:nvPr/>
         </p:nvPicPr>
         <p:blipFill>
-          <a:blip r:embed="rId2">
+          <a:blip r:embed="rId3">
             <a:extLst>
               <a:ext uri="{28A0092B-C50C-407E-A947-70E740481C1C}">
                 <a14:useLocalDpi xmlns:a14="http://schemas.microsoft.com/office/drawing/2010/main" val="0"/>
@@ -3316,4 +4313,299 @@
     </a:ext>
   </a:extLst>
 </a:theme>
+</file>
+
+<file path=ppt/theme/theme2.xml><?xml version="1.0" encoding="utf-8"?>
+<a:theme xmlns:a="http://schemas.openxmlformats.org/drawingml/2006/main" name="Office Theme">
+  <a:themeElements>
+    <a:clrScheme name="Office">
+      <a:dk1>
+        <a:sysClr val="windowText" lastClr="000000"/>
+      </a:dk1>
+      <a:lt1>
+        <a:sysClr val="window" lastClr="FFFFFF"/>
+      </a:lt1>
+      <a:dk2>
+        <a:srgbClr val="44546A"/>
+      </a:dk2>
+      <a:lt2>
+        <a:srgbClr val="E7E6E6"/>
+      </a:lt2>
+      <a:accent1>
+        <a:srgbClr val="4472C4"/>
+      </a:accent1>
+      <a:accent2>
+        <a:srgbClr val="ED7D31"/>
+      </a:accent2>
+      <a:accent3>
+        <a:srgbClr val="A5A5A5"/>
+      </a:accent3>
+      <a:accent4>
+        <a:srgbClr val="FFC000"/>
+      </a:accent4>
+      <a:accent5>
+        <a:srgbClr val="5B9BD5"/>
+      </a:accent5>
+      <a:accent6>
+        <a:srgbClr val="70AD47"/>
+      </a:accent6>
+      <a:hlink>
+        <a:srgbClr val="0563C1"/>
+      </a:hlink>
+      <a:folHlink>
+        <a:srgbClr val="954F72"/>
+      </a:folHlink>
+    </a:clrScheme>
+    <a:fontScheme name="Office">
+      <a:majorFont>
+        <a:latin typeface="Calibri Light" panose="020F0302020204030204"/>
+        <a:ea typeface=""/>
+        <a:cs typeface=""/>
+        <a:font script="Jpan" typeface="游ゴシック Light"/>
+        <a:font script="Hang" typeface="맑은 고딕"/>
+        <a:font script="Hans" typeface="等线 Light"/>
+        <a:font script="Hant" typeface="新細明體"/>
+        <a:font script="Arab" typeface="Times New Roman"/>
+        <a:font script="Hebr" typeface="Times New Roman"/>
+        <a:font script="Thai" typeface="Angsana New"/>
+        <a:font script="Ethi" typeface="Nyala"/>
+        <a:font script="Beng" typeface="Vrinda"/>
+        <a:font script="Gujr" typeface="Shruti"/>
+        <a:font script="Khmr" typeface="MoolBoran"/>
+        <a:font script="Knda" typeface="Tunga"/>
+        <a:font script="Guru" typeface="Raavi"/>
+        <a:font script="Cans" typeface="Euphemia"/>
+        <a:font script="Cher" typeface="Plantagenet Cherokee"/>
+        <a:font script="Yiii" typeface="Microsoft Yi Baiti"/>
+        <a:font script="Tibt" typeface="Microsoft Himalaya"/>
+        <a:font script="Thaa" typeface="MV Boli"/>
+        <a:font script="Deva" typeface="Mangal"/>
+        <a:font script="Telu" typeface="Gautami"/>
+        <a:font script="Taml" typeface="Latha"/>
+        <a:font script="Syrc" typeface="Estrangelo Edessa"/>
+        <a:font script="Orya" typeface="Kalinga"/>
+        <a:font script="Mlym" typeface="Kartika"/>
+        <a:font script="Laoo" typeface="DokChampa"/>
+        <a:font script="Sinh" typeface="Iskoola Pota"/>
+        <a:font script="Mong" typeface="Mongolian Baiti"/>
+        <a:font script="Viet" typeface="Times New Roman"/>
+        <a:font script="Uigh" typeface="Microsoft Uighur"/>
+        <a:font script="Geor" typeface="Sylfaen"/>
+        <a:font script="Armn" typeface="Arial"/>
+        <a:font script="Bugi" typeface="Leelawadee UI"/>
+        <a:font script="Bopo" typeface="Microsoft JhengHei"/>
+        <a:font script="Java" typeface="Javanese Text"/>
+        <a:font script="Lisu" typeface="Segoe UI"/>
+        <a:font script="Mymr" typeface="Myanmar Text"/>
+        <a:font script="Nkoo" typeface="Ebrima"/>
+        <a:font script="Olck" typeface="Nirmala UI"/>
+        <a:font script="Osma" typeface="Ebrima"/>
+        <a:font script="Phag" typeface="Phagspa"/>
+        <a:font script="Syrn" typeface="Estrangelo Edessa"/>
+        <a:font script="Syrj" typeface="Estrangelo Edessa"/>
+        <a:font script="Syre" typeface="Estrangelo Edessa"/>
+        <a:font script="Sora" typeface="Nirmala UI"/>
+        <a:font script="Tale" typeface="Microsoft Tai Le"/>
+        <a:font script="Talu" typeface="Microsoft New Tai Lue"/>
+        <a:font script="Tfng" typeface="Ebrima"/>
+      </a:majorFont>
+      <a:minorFont>
+        <a:latin typeface="Calibri" panose="020F0502020204030204"/>
+        <a:ea typeface=""/>
+        <a:cs typeface=""/>
+        <a:font script="Jpan" typeface="游ゴシック"/>
+        <a:font script="Hang" typeface="맑은 고딕"/>
+        <a:font script="Hans" typeface="等线"/>
+        <a:font script="Hant" typeface="新細明體"/>
+        <a:font script="Arab" typeface="Arial"/>
+        <a:font script="Hebr" typeface="Arial"/>
+        <a:font script="Thai" typeface="Cordia New"/>
+        <a:font script="Ethi" typeface="Nyala"/>
+        <a:font script="Beng" typeface="Vrinda"/>
+        <a:font script="Gujr" typeface="Shruti"/>
+        <a:font script="Khmr" typeface="DaunPenh"/>
+        <a:font script="Knda" typeface="Tunga"/>
+        <a:font script="Guru" typeface="Raavi"/>
+        <a:font script="Cans" typeface="Euphemia"/>
+        <a:font script="Cher" typeface="Plantagenet Cherokee"/>
+        <a:font script="Yiii" typeface="Microsoft Yi Baiti"/>
+        <a:font script="Tibt" typeface="Microsoft Himalaya"/>
+        <a:font script="Thaa" typeface="MV Boli"/>
+        <a:font script="Deva" typeface="Mangal"/>
+        <a:font script="Telu" typeface="Gautami"/>
+        <a:font script="Taml" typeface="Latha"/>
+        <a:font script="Syrc" typeface="Estrangelo Edessa"/>
+        <a:font script="Orya" typeface="Kalinga"/>
+        <a:font script="Mlym" typeface="Kartika"/>
+        <a:font script="Laoo" typeface="DokChampa"/>
+        <a:font script="Sinh" typeface="Iskoola Pota"/>
+        <a:font script="Mong" typeface="Mongolian Baiti"/>
+        <a:font script="Viet" typeface="Arial"/>
+        <a:font script="Uigh" typeface="Microsoft Uighur"/>
+        <a:font script="Geor" typeface="Sylfaen"/>
+        <a:font script="Armn" typeface="Arial"/>
+        <a:font script="Bugi" typeface="Leelawadee UI"/>
+        <a:font script="Bopo" typeface="Microsoft JhengHei"/>
+        <a:font script="Java" typeface="Javanese Text"/>
+        <a:font script="Lisu" typeface="Segoe UI"/>
+        <a:font script="Mymr" typeface="Myanmar Text"/>
+        <a:font script="Nkoo" typeface="Ebrima"/>
+        <a:font script="Olck" typeface="Nirmala UI"/>
+        <a:font script="Osma" typeface="Ebrima"/>
+        <a:font script="Phag" typeface="Phagspa"/>
+        <a:font script="Syrn" typeface="Estrangelo Edessa"/>
+        <a:font script="Syrj" typeface="Estrangelo Edessa"/>
+        <a:font script="Syre" typeface="Estrangelo Edessa"/>
+        <a:font script="Sora" typeface="Nirmala UI"/>
+        <a:font script="Tale" typeface="Microsoft Tai Le"/>
+        <a:font script="Talu" typeface="Microsoft New Tai Lue"/>
+        <a:font script="Tfng" typeface="Ebrima"/>
+      </a:minorFont>
+    </a:fontScheme>
+    <a:fmtScheme name="Office">
+      <a:fillStyleLst>
+        <a:solidFill>
+          <a:schemeClr val="phClr"/>
+        </a:solidFill>
+        <a:gradFill rotWithShape="1">
+          <a:gsLst>
+            <a:gs pos="0">
+              <a:schemeClr val="phClr">
+                <a:lumMod val="110000"/>
+                <a:satMod val="105000"/>
+                <a:tint val="67000"/>
+              </a:schemeClr>
+            </a:gs>
+            <a:gs pos="50000">
+              <a:schemeClr val="phClr">
+                <a:lumMod val="105000"/>
+                <a:satMod val="103000"/>
+                <a:tint val="73000"/>
+              </a:schemeClr>
+            </a:gs>
+            <a:gs pos="100000">
+              <a:schemeClr val="phClr">
+                <a:lumMod val="105000"/>
+                <a:satMod val="109000"/>
+                <a:tint val="81000"/>
+              </a:schemeClr>
+            </a:gs>
+          </a:gsLst>
+          <a:lin ang="5400000" scaled="0"/>
+        </a:gradFill>
+        <a:gradFill rotWithShape="1">
+          <a:gsLst>
+            <a:gs pos="0">
+              <a:schemeClr val="phClr">
+                <a:satMod val="103000"/>
+                <a:lumMod val="102000"/>
+                <a:tint val="94000"/>
+              </a:schemeClr>
+            </a:gs>
+            <a:gs pos="50000">
+              <a:schemeClr val="phClr">
+                <a:satMod val="110000"/>
+                <a:lumMod val="100000"/>
+                <a:shade val="100000"/>
+              </a:schemeClr>
+            </a:gs>
+            <a:gs pos="100000">
+              <a:schemeClr val="phClr">
+                <a:lumMod val="99000"/>
+                <a:satMod val="120000"/>
+                <a:shade val="78000"/>
+              </a:schemeClr>
+            </a:gs>
+          </a:gsLst>
+          <a:lin ang="5400000" scaled="0"/>
+        </a:gradFill>
+      </a:fillStyleLst>
+      <a:lnStyleLst>
+        <a:ln w="6350" cap="flat" cmpd="sng" algn="ctr">
+          <a:solidFill>
+            <a:schemeClr val="phClr"/>
+          </a:solidFill>
+          <a:prstDash val="solid"/>
+          <a:miter lim="800000"/>
+        </a:ln>
+        <a:ln w="12700" cap="flat" cmpd="sng" algn="ctr">
+          <a:solidFill>
+            <a:schemeClr val="phClr"/>
+          </a:solidFill>
+          <a:prstDash val="solid"/>
+          <a:miter lim="800000"/>
+        </a:ln>
+        <a:ln w="19050" cap="flat" cmpd="sng" algn="ctr">
+          <a:solidFill>
+            <a:schemeClr val="phClr"/>
+          </a:solidFill>
+          <a:prstDash val="solid"/>
+          <a:miter lim="800000"/>
+        </a:ln>
+      </a:lnStyleLst>
+      <a:effectStyleLst>
+        <a:effectStyle>
+          <a:effectLst/>
+        </a:effectStyle>
+        <a:effectStyle>
+          <a:effectLst/>
+        </a:effectStyle>
+        <a:effectStyle>
+          <a:effectLst>
+            <a:outerShdw blurRad="57150" dist="19050" dir="5400000" algn="ctr" rotWithShape="0">
+              <a:srgbClr val="000000">
+                <a:alpha val="63000"/>
+              </a:srgbClr>
+            </a:outerShdw>
+          </a:effectLst>
+        </a:effectStyle>
+      </a:effectStyleLst>
+      <a:bgFillStyleLst>
+        <a:solidFill>
+          <a:schemeClr val="phClr"/>
+        </a:solidFill>
+        <a:solidFill>
+          <a:schemeClr val="phClr">
+            <a:tint val="95000"/>
+            <a:satMod val="170000"/>
+          </a:schemeClr>
+        </a:solidFill>
+        <a:gradFill rotWithShape="1">
+          <a:gsLst>
+            <a:gs pos="0">
+              <a:schemeClr val="phClr">
+                <a:tint val="93000"/>
+                <a:satMod val="150000"/>
+                <a:shade val="98000"/>
+                <a:lumMod val="102000"/>
+              </a:schemeClr>
+            </a:gs>
+            <a:gs pos="50000">
+              <a:schemeClr val="phClr">
+                <a:tint val="98000"/>
+                <a:satMod val="130000"/>
+                <a:shade val="90000"/>
+                <a:lumMod val="103000"/>
+              </a:schemeClr>
+            </a:gs>
+            <a:gs pos="100000">
+              <a:schemeClr val="phClr">
+                <a:shade val="63000"/>
+                <a:satMod val="120000"/>
+              </a:schemeClr>
+            </a:gs>
+          </a:gsLst>
+          <a:lin ang="5400000" scaled="0"/>
+        </a:gradFill>
+      </a:bgFillStyleLst>
+    </a:fmtScheme>
+  </a:themeElements>
+  <a:objectDefaults/>
+  <a:extraClrSchemeLst/>
+  <a:extLst>
+    <a:ext uri="{05A4C25C-085E-4340-85A3-A5531E510DB2}">
+      <thm15:themeFamily xmlns:thm15="http://schemas.microsoft.com/office/thememl/2012/main" name="Office Theme" id="{62F939B6-93AF-4DB8-9C6B-D6C7DFDC589F}" vid="{4A3C46E8-61CC-4603-A589-7422A47A8E4A}"/>
+    </a:ext>
+  </a:extLst>
+</a:theme>
 </file>